--- a/presentations/YARCH25_portrait.pptx
+++ b/presentations/YARCH25_portrait.pptx
@@ -41,8 +41,8 @@
         </p:nvSpPr>
         <p:spPr>
           <a:xfrm>
-            <a:off x="2468520" y="17914680"/>
-            <a:ext cx="27975600" cy="834120"/>
+            <a:off x="2468520" y="18018720"/>
+            <a:ext cx="27975240" cy="625320"/>
           </a:xfrm>
           <a:prstGeom prst="rect">
             <a:avLst/>
@@ -60,7 +60,7 @@
             <a:pPr indent="0" algn="ctr">
               <a:buNone/>
             </a:pPr>
-            <a:endParaRPr b="0" lang="en-US" sz="5860" strike="noStrike" u="none">
+            <a:endParaRPr b="0" lang="en-US" sz="4400" strike="noStrike" u="none">
               <a:solidFill>
                 <a:srgbClr val="000000"/>
               </a:solidFill>
@@ -147,7 +147,7 @@
         <p:txBody>
           <a:bodyPr/>
           <a:p>
-            <a:fld id="{68BBC4FB-0917-49B9-8890-50AB8713876E}" type="slidenum">
+            <a:fld id="{ED696424-73C6-49BD-BECC-84507B6B6CF7}" type="slidenum">
               <a:t>&lt;#&gt;</a:t>
             </a:fld>
           </a:p>
@@ -215,8 +215,8 @@
         </p:blipFill>
         <p:spPr>
           <a:xfrm rot="16200000">
-            <a:off x="-12461400" y="23101560"/>
-            <a:ext cx="19022760" cy="2946960"/>
+            <a:off x="-12461400" y="23101920"/>
+            <a:ext cx="19022400" cy="2946600"/>
           </a:xfrm>
           <a:prstGeom prst="rect">
             <a:avLst/>
@@ -239,8 +239,8 @@
         </p:blipFill>
         <p:spPr>
           <a:xfrm rot="5400000">
-            <a:off x="26362080" y="23091480"/>
-            <a:ext cx="19022760" cy="2946960"/>
+            <a:off x="26362440" y="23091480"/>
+            <a:ext cx="19022400" cy="2946600"/>
           </a:xfrm>
           <a:prstGeom prst="rect">
             <a:avLst/>
@@ -264,7 +264,7 @@
         <p:spPr>
           <a:xfrm>
             <a:off x="5209920" y="44568360"/>
-            <a:ext cx="22492440" cy="1920600"/>
+            <a:ext cx="22492080" cy="1920240"/>
           </a:xfrm>
           <a:prstGeom prst="rect">
             <a:avLst/>
@@ -284,7 +284,7 @@
         <p:spPr>
           <a:xfrm>
             <a:off x="5210280" y="45330480"/>
-            <a:ext cx="16453440" cy="1683360"/>
+            <a:ext cx="16453080" cy="1683000"/>
           </a:xfrm>
           <a:prstGeom prst="rect">
             <a:avLst/>
@@ -345,8 +345,8 @@
         </p:nvSpPr>
         <p:spPr>
           <a:xfrm>
-            <a:off x="2468520" y="17915040"/>
-            <a:ext cx="27975600" cy="833400"/>
+            <a:off x="2468520" y="18194040"/>
+            <a:ext cx="27975240" cy="274680"/>
           </a:xfrm>
           <a:prstGeom prst="rect">
             <a:avLst/>
@@ -358,7 +358,7 @@
         </p:spPr>
         <p:txBody>
           <a:bodyPr lIns="0" rIns="0" tIns="0" bIns="0" anchor="ctr">
-            <a:noAutofit/>
+            <a:spAutoFit/>
           </a:bodyPr>
           <a:p>
             <a:pPr indent="0">
@@ -373,7 +373,7 @@
                 <a:uFillTx/>
                 <a:latin typeface="Arial"/>
               </a:rPr>
-              <a:t>Click to edit the title </a:t>
+              <a:t>Click to edit </a:t>
             </a:r>
             <a:r>
               <a:rPr b="0" lang="en-US" sz="1800" strike="noStrike" u="none">
@@ -384,7 +384,18 @@
                 <a:uFillTx/>
                 <a:latin typeface="Arial"/>
               </a:rPr>
-              <a:t>text format</a:t>
+              <a:t>the title text </a:t>
+            </a:r>
+            <a:r>
+              <a:rPr b="0" lang="en-US" sz="1800" strike="noStrike" u="none">
+                <a:solidFill>
+                  <a:srgbClr val="000000"/>
+                </a:solidFill>
+                <a:effectLst/>
+                <a:uFillTx/>
+                <a:latin typeface="Arial"/>
+              </a:rPr>
+              <a:t>format</a:t>
             </a:r>
             <a:endParaRPr b="0" lang="en-US" sz="1800" strike="noStrike" u="none">
               <a:solidFill>
@@ -410,7 +421,7 @@
         <p:spPr>
           <a:xfrm>
             <a:off x="11245680" y="39970080"/>
-            <a:ext cx="10420920" cy="3038040"/>
+            <a:ext cx="10420560" cy="3037680"/>
           </a:xfrm>
           <a:prstGeom prst="rect">
             <a:avLst/>
@@ -488,7 +499,7 @@
         <p:spPr>
           <a:xfrm>
             <a:off x="23590080" y="39970080"/>
-            <a:ext cx="7677720" cy="3038040"/>
+            <a:ext cx="7677360" cy="3037680"/>
           </a:xfrm>
           <a:prstGeom prst="rect">
             <a:avLst/>
@@ -532,7 +543,7 @@
                 <a:tab algn="l" pos="0"/>
               </a:tabLst>
             </a:pPr>
-            <a:fld id="{DDA04BD1-BCF9-49E7-BACF-3D783EF7A6D3}" type="slidenum">
+            <a:fld id="{74B359DF-C219-417C-BA3D-DE291AC5240F}" type="slidenum">
               <a:rPr b="0" lang="en-US" sz="5030" strike="noStrike" u="none">
                 <a:solidFill>
                   <a:schemeClr val="dk1"/>
@@ -568,7 +579,7 @@
         <p:spPr>
           <a:xfrm>
             <a:off x="1644480" y="39970080"/>
-            <a:ext cx="7677720" cy="3038040"/>
+            <a:ext cx="7677360" cy="3037680"/>
           </a:xfrm>
           <a:prstGeom prst="rect">
             <a:avLst/>
@@ -916,7 +927,7 @@
         <p:spPr>
           <a:xfrm>
             <a:off x="24860160" y="32918400"/>
-            <a:ext cx="7588800" cy="9124200"/>
+            <a:ext cx="7588440" cy="9123840"/>
           </a:xfrm>
           <a:prstGeom prst="rect">
             <a:avLst/>
@@ -1069,7 +1080,7 @@
         <p:spPr>
           <a:xfrm>
             <a:off x="16630560" y="7410960"/>
-            <a:ext cx="7881840" cy="34643160"/>
+            <a:ext cx="7881480" cy="34642800"/>
           </a:xfrm>
           <a:prstGeom prst="rect">
             <a:avLst/>
@@ -1132,7 +1143,7 @@
         <p:spPr>
           <a:xfrm>
             <a:off x="24860160" y="8551080"/>
-            <a:ext cx="7588080" cy="23257440"/>
+            <a:ext cx="7587720" cy="23257080"/>
           </a:xfrm>
           <a:prstGeom prst="rect">
             <a:avLst/>
@@ -1606,7 +1617,7 @@
         <p:spPr>
           <a:xfrm>
             <a:off x="8400960" y="7410960"/>
-            <a:ext cx="7881840" cy="34643160"/>
+            <a:ext cx="7881480" cy="34642800"/>
           </a:xfrm>
           <a:prstGeom prst="rect">
             <a:avLst/>
@@ -1658,7 +1669,7 @@
         <p:spPr>
           <a:xfrm>
             <a:off x="433440" y="7410960"/>
-            <a:ext cx="7620120" cy="15365160"/>
+            <a:ext cx="7619760" cy="15364800"/>
           </a:xfrm>
           <a:prstGeom prst="rect">
             <a:avLst/>
@@ -1710,7 +1721,7 @@
         <p:spPr>
           <a:xfrm>
             <a:off x="3600" y="0"/>
-            <a:ext cx="32912640" cy="6996600"/>
+            <a:ext cx="32912280" cy="6996240"/>
           </a:xfrm>
           <a:prstGeom prst="rect">
             <a:avLst/>
@@ -1759,7 +1770,7 @@
         <p:spPr>
           <a:xfrm>
             <a:off x="474840" y="8588520"/>
-            <a:ext cx="7650000" cy="14189040"/>
+            <a:ext cx="7649640" cy="14189040"/>
           </a:xfrm>
           <a:prstGeom prst="rect">
             <a:avLst/>
@@ -2132,7 +2143,7 @@
         <p:spPr>
           <a:xfrm>
             <a:off x="5657760" y="66960"/>
-            <a:ext cx="21597480" cy="3906720"/>
+            <a:ext cx="21597120" cy="3906360"/>
           </a:xfrm>
           <a:prstGeom prst="rect">
             <a:avLst/>
@@ -2196,7 +2207,7 @@
         <p:spPr>
           <a:xfrm>
             <a:off x="1769040" y="3553560"/>
-            <a:ext cx="29380680" cy="1707480"/>
+            <a:ext cx="29380320" cy="1707120"/>
           </a:xfrm>
           <a:prstGeom prst="rect">
             <a:avLst/>
@@ -2341,7 +2352,7 @@
         <p:spPr>
           <a:xfrm>
             <a:off x="8400960" y="8492400"/>
-            <a:ext cx="7881840" cy="27983160"/>
+            <a:ext cx="7881480" cy="28518840"/>
           </a:xfrm>
           <a:prstGeom prst="rect">
             <a:avLst/>
@@ -3045,6 +3056,21 @@
                 <a:spcPct val="110000"/>
               </a:lnSpc>
             </a:pPr>
+            <a:endParaRPr b="0" lang="en-US" sz="3200" strike="noStrike" u="none">
+              <a:solidFill>
+                <a:srgbClr val="000000"/>
+              </a:solidFill>
+              <a:effectLst/>
+              <a:uFillTx/>
+              <a:latin typeface="Arial"/>
+            </a:endParaRPr>
+          </a:p>
+          <a:p>
+            <a:pPr algn="just">
+              <a:lnSpc>
+                <a:spcPct val="110000"/>
+              </a:lnSpc>
+            </a:pPr>
             <a:r>
               <a:rPr b="0" lang="en-US" sz="3200" strike="noStrike" u="none">
                 <a:solidFill>
@@ -3077,7 +3103,7 @@
         <p:spPr>
           <a:xfrm>
             <a:off x="16630560" y="8552520"/>
-            <a:ext cx="7881840" cy="23414040"/>
+            <a:ext cx="7881480" cy="23950440"/>
           </a:xfrm>
           <a:prstGeom prst="rect">
             <a:avLst/>
@@ -3754,6 +3780,24 @@
                 <a:tab algn="l" pos="0"/>
               </a:tabLst>
             </a:pPr>
+            <a:endParaRPr b="0" lang="en-US" sz="3200" strike="noStrike" u="none">
+              <a:solidFill>
+                <a:srgbClr val="000000"/>
+              </a:solidFill>
+              <a:effectLst/>
+              <a:uFillTx/>
+              <a:latin typeface="Arial"/>
+            </a:endParaRPr>
+          </a:p>
+          <a:p>
+            <a:pPr algn="just">
+              <a:lnSpc>
+                <a:spcPct val="110000"/>
+              </a:lnSpc>
+              <a:tabLst>
+                <a:tab algn="l" pos="0"/>
+              </a:tabLst>
+            </a:pPr>
             <a:r>
               <a:rPr b="0" lang="en-US" sz="3200" strike="noStrike" u="none">
                 <a:solidFill>
@@ -3810,7 +3854,7 @@
         <p:spPr>
           <a:xfrm>
             <a:off x="360" y="42671880"/>
-            <a:ext cx="32912640" cy="1209240"/>
+            <a:ext cx="32912280" cy="1208880"/>
           </a:xfrm>
           <a:prstGeom prst="rect">
             <a:avLst/>
@@ -3858,8 +3902,8 @@
         </p:nvSpPr>
         <p:spPr>
           <a:xfrm rot="10800000">
-            <a:off x="28263240" y="29480040"/>
-            <a:ext cx="906120" cy="916920"/>
+            <a:off x="28263600" y="29480400"/>
+            <a:ext cx="905760" cy="916560"/>
           </a:xfrm>
           <a:prstGeom prst="rightArrow">
             <a:avLst>
@@ -3912,7 +3956,7 @@
         <p:spPr>
           <a:xfrm>
             <a:off x="577800" y="11582280"/>
-            <a:ext cx="7315200" cy="2631600"/>
+            <a:ext cx="7314840" cy="2631240"/>
           </a:xfrm>
           <a:prstGeom prst="roundRect">
             <a:avLst>
@@ -3976,7 +4020,7 @@
         <p:spPr>
           <a:xfrm>
             <a:off x="1062720" y="12486600"/>
-            <a:ext cx="1885680" cy="1311840"/>
+            <a:ext cx="1885320" cy="1311480"/>
           </a:xfrm>
           <a:prstGeom prst="rect">
             <a:avLst/>
@@ -4038,7 +4082,7 @@
         <p:spPr>
           <a:xfrm>
             <a:off x="3336480" y="12486600"/>
-            <a:ext cx="1897920" cy="1311840"/>
+            <a:ext cx="1897560" cy="1311480"/>
           </a:xfrm>
           <a:prstGeom prst="rect">
             <a:avLst/>
@@ -4100,7 +4144,7 @@
         <p:spPr>
           <a:xfrm>
             <a:off x="5630400" y="12486600"/>
-            <a:ext cx="1929600" cy="1311840"/>
+            <a:ext cx="1929240" cy="1311480"/>
           </a:xfrm>
           <a:prstGeom prst="rect">
             <a:avLst/>
@@ -4162,7 +4206,7 @@
         <p:spPr>
           <a:xfrm>
             <a:off x="2696400" y="17535960"/>
-            <a:ext cx="3370320" cy="1564200"/>
+            <a:ext cx="3369960" cy="1563840"/>
           </a:xfrm>
           <a:prstGeom prst="roundRect">
             <a:avLst>
@@ -4271,7 +4315,7 @@
         <p:spPr>
           <a:xfrm>
             <a:off x="3476160" y="15212520"/>
-            <a:ext cx="1671840" cy="1311840"/>
+            <a:ext cx="1671480" cy="1311480"/>
           </a:xfrm>
           <a:prstGeom prst="rect">
             <a:avLst/>
@@ -4468,7 +4512,7 @@
         <p:spPr>
           <a:xfrm>
             <a:off x="8400960" y="7411320"/>
-            <a:ext cx="7881840" cy="1114920"/>
+            <a:ext cx="7881480" cy="1114560"/>
           </a:xfrm>
           <a:prstGeom prst="rect">
             <a:avLst/>
@@ -4530,7 +4574,7 @@
         <p:spPr>
           <a:xfrm>
             <a:off x="431280" y="7411320"/>
-            <a:ext cx="7622280" cy="1114920"/>
+            <a:ext cx="7621920" cy="1114560"/>
           </a:xfrm>
           <a:prstGeom prst="rect">
             <a:avLst/>
@@ -4592,7 +4636,7 @@
         <p:spPr>
           <a:xfrm>
             <a:off x="432000" y="23902920"/>
-            <a:ext cx="7620120" cy="18157320"/>
+            <a:ext cx="7619760" cy="18156960"/>
           </a:xfrm>
           <a:prstGeom prst="rect">
             <a:avLst/>
@@ -5026,8 +5070,8 @@
         </p:nvSpPr>
         <p:spPr>
           <a:xfrm rot="16200000">
-            <a:off x="-692640" y="27912600"/>
-            <a:ext cx="4402800" cy="1324080"/>
+            <a:off x="-692280" y="27912960"/>
+            <a:ext cx="4402440" cy="1323720"/>
           </a:xfrm>
           <a:prstGeom prst="rightArrow">
             <a:avLst>
@@ -5136,7 +5180,7 @@
         <p:spPr>
           <a:xfrm>
             <a:off x="3203640" y="26463960"/>
-            <a:ext cx="3367440" cy="993960"/>
+            <a:ext cx="3367080" cy="993600"/>
           </a:xfrm>
           <a:prstGeom prst="rect">
             <a:avLst/>
@@ -5242,7 +5286,7 @@
         <p:spPr>
           <a:xfrm>
             <a:off x="3203640" y="28095840"/>
-            <a:ext cx="3367440" cy="993960"/>
+            <a:ext cx="3367080" cy="993600"/>
           </a:xfrm>
           <a:prstGeom prst="rect">
             <a:avLst/>
@@ -5348,7 +5392,7 @@
         <p:spPr>
           <a:xfrm>
             <a:off x="3203640" y="29871720"/>
-            <a:ext cx="3367440" cy="993960"/>
+            <a:ext cx="3367080" cy="993600"/>
           </a:xfrm>
           <a:prstGeom prst="rect">
             <a:avLst/>
@@ -5410,7 +5454,7 @@
         <p:spPr>
           <a:xfrm>
             <a:off x="26584560" y="11054520"/>
-            <a:ext cx="1971000" cy="2838240"/>
+            <a:ext cx="1970640" cy="2837880"/>
           </a:xfrm>
           <a:prstGeom prst="rect">
             <a:avLst/>
@@ -5472,7 +5516,7 @@
         <p:spPr>
           <a:xfrm>
             <a:off x="26653680" y="11811960"/>
-            <a:ext cx="653760" cy="851760"/>
+            <a:ext cx="653400" cy="851400"/>
           </a:xfrm>
           <a:prstGeom prst="rect">
             <a:avLst/>
@@ -5534,7 +5578,7 @@
         <p:spPr>
           <a:xfrm>
             <a:off x="27829080" y="11811960"/>
-            <a:ext cx="653400" cy="851760"/>
+            <a:ext cx="653040" cy="851400"/>
           </a:xfrm>
           <a:prstGeom prst="rect">
             <a:avLst/>
@@ -5595,8 +5639,8 @@
         </p:nvSpPr>
         <p:spPr>
           <a:xfrm>
-            <a:off x="26722800" y="12969720"/>
-            <a:ext cx="1682640" cy="851760"/>
+            <a:off x="26722800" y="12897720"/>
+            <a:ext cx="1682280" cy="851400"/>
           </a:xfrm>
           <a:prstGeom prst="rect">
             <a:avLst/>
@@ -5636,7 +5680,7 @@
                 <a:latin typeface="Arial"/>
                 <a:ea typeface="Arial"/>
               </a:rPr>
-              <a:t>Operating System</a:t>
+              <a:t>OS</a:t>
             </a:r>
             <a:endParaRPr b="0" lang="en-US" sz="2000" strike="noStrike" u="none">
               <a:solidFill>
@@ -5647,33 +5691,6 @@
               <a:latin typeface="Arial"/>
             </a:endParaRPr>
           </a:p>
-          <a:p>
-            <a:pPr algn="ctr">
-              <a:lnSpc>
-                <a:spcPct val="115000"/>
-              </a:lnSpc>
-            </a:pPr>
-            <a:r>
-              <a:rPr b="0" lang="en-US" sz="2000" strike="noStrike" u="none">
-                <a:solidFill>
-                  <a:srgbClr val="000000"/>
-                </a:solidFill>
-                <a:effectLst/>
-                <a:uFillTx/>
-                <a:latin typeface="Arial"/>
-                <a:ea typeface="Arial"/>
-              </a:rPr>
-              <a:t> (OS)</a:t>
-            </a:r>
-            <a:endParaRPr b="0" lang="en-US" sz="2000" strike="noStrike" u="none">
-              <a:solidFill>
-                <a:srgbClr val="000000"/>
-              </a:solidFill>
-              <a:effectLst/>
-              <a:uFillTx/>
-              <a:latin typeface="Arial"/>
-            </a:endParaRPr>
-          </a:p>
         </p:txBody>
       </p:sp>
       <p:sp>
@@ -5685,15 +5702,15 @@
         <p:spPr>
           <a:xfrm>
             <a:off x="28730520" y="11054520"/>
-            <a:ext cx="1751040" cy="2838240"/>
+            <a:ext cx="1750680" cy="2837880"/>
           </a:xfrm>
           <a:custGeom>
             <a:avLst/>
             <a:gdLst>
-              <a:gd name="textAreaLeft" fmla="*/ 84960 w 1751040"/>
-              <a:gd name="textAreaRight" fmla="*/ 1670040 w 1751040"/>
-              <a:gd name="textAreaTop" fmla="*/ 129960 h 2838240"/>
-              <a:gd name="textAreaBottom" fmla="*/ 2715480 h 2838240"/>
+              <a:gd name="textAreaLeft" fmla="*/ 84960 w 1750680"/>
+              <a:gd name="textAreaRight" fmla="*/ 1670040 w 1750680"/>
+              <a:gd name="textAreaTop" fmla="*/ 129960 h 2837880"/>
+              <a:gd name="textAreaBottom" fmla="*/ 2715480 h 2837880"/>
             </a:gdLst>
             <a:ahLst/>
             <a:rect l="textAreaLeft" t="textAreaTop" r="textAreaRight" b="textAreaBottom"/>
@@ -5776,7 +5793,7 @@
         <p:spPr>
           <a:xfrm>
             <a:off x="28897560" y="11811960"/>
-            <a:ext cx="1433160" cy="851760"/>
+            <a:ext cx="1432800" cy="851400"/>
           </a:xfrm>
           <a:prstGeom prst="rect">
             <a:avLst/>
@@ -5813,6 +5830,7 @@
               <a:effectLst/>
               <a:uFillTx/>
               <a:latin typeface="Arial"/>
+              <a:ea typeface="DejaVu Sans"/>
             </a:endParaRPr>
           </a:p>
         </p:txBody>
@@ -5826,7 +5844,7 @@
         <p:spPr>
           <a:xfrm>
             <a:off x="28828800" y="12953880"/>
-            <a:ext cx="1583640" cy="709920"/>
+            <a:ext cx="1583280" cy="709560"/>
           </a:xfrm>
           <a:prstGeom prst="rect">
             <a:avLst/>
@@ -5888,15 +5906,15 @@
         <p:spPr>
           <a:xfrm>
             <a:off x="30669840" y="11054880"/>
-            <a:ext cx="1338120" cy="2837520"/>
+            <a:ext cx="1337760" cy="2837160"/>
           </a:xfrm>
           <a:custGeom>
             <a:avLst/>
             <a:gdLst>
-              <a:gd name="textAreaLeft" fmla="*/ 64800 w 1338120"/>
-              <a:gd name="textAreaRight" fmla="*/ 1277280 w 1338120"/>
-              <a:gd name="textAreaTop" fmla="*/ 99000 h 2837520"/>
-              <a:gd name="textAreaBottom" fmla="*/ 2745720 h 2837520"/>
+              <a:gd name="textAreaLeft" fmla="*/ 64800 w 1337760"/>
+              <a:gd name="textAreaRight" fmla="*/ 1277280 w 1337760"/>
+              <a:gd name="textAreaTop" fmla="*/ 99000 h 2837160"/>
+              <a:gd name="textAreaBottom" fmla="*/ 2745720 h 2837160"/>
             </a:gdLst>
             <a:ahLst/>
             <a:rect l="textAreaLeft" t="textAreaTop" r="textAreaRight" b="textAreaBottom"/>
@@ -5979,7 +5997,7 @@
         <p:spPr>
           <a:xfrm>
             <a:off x="30813840" y="11813400"/>
-            <a:ext cx="1005480" cy="851040"/>
+            <a:ext cx="1005120" cy="850680"/>
           </a:xfrm>
           <a:prstGeom prst="rect">
             <a:avLst/>
@@ -6041,7 +6059,7 @@
         <p:spPr>
           <a:xfrm>
             <a:off x="30754440" y="12954240"/>
-            <a:ext cx="1064880" cy="709920"/>
+            <a:ext cx="1064520" cy="709560"/>
           </a:xfrm>
           <a:prstGeom prst="rect">
             <a:avLst/>
@@ -6193,7 +6211,7 @@
         <p:spPr>
           <a:xfrm>
             <a:off x="26520840" y="14220360"/>
-            <a:ext cx="5604480" cy="1953360"/>
+            <a:ext cx="5604120" cy="1953000"/>
           </a:xfrm>
           <a:prstGeom prst="roundRect">
             <a:avLst>
@@ -6247,7 +6265,7 @@
         <p:spPr>
           <a:xfrm>
             <a:off x="26584920" y="14373000"/>
-            <a:ext cx="5448600" cy="658800"/>
+            <a:ext cx="5448240" cy="658440"/>
           </a:xfrm>
           <a:prstGeom prst="rect">
             <a:avLst/>
@@ -6309,7 +6327,7 @@
         <p:spPr>
           <a:xfrm>
             <a:off x="24917400" y="15172200"/>
-            <a:ext cx="1608120" cy="993600"/>
+            <a:ext cx="1607760" cy="993240"/>
           </a:xfrm>
           <a:prstGeom prst="rect">
             <a:avLst/>
@@ -6367,7 +6385,7 @@
         <p:spPr>
           <a:xfrm>
             <a:off x="26580600" y="15217200"/>
-            <a:ext cx="5431320" cy="815040"/>
+            <a:ext cx="5430960" cy="814680"/>
           </a:xfrm>
           <a:prstGeom prst="rect">
             <a:avLst/>
@@ -6418,7 +6436,7 @@
         <p:spPr>
           <a:xfrm>
             <a:off x="26641440" y="15344280"/>
-            <a:ext cx="1445760" cy="582120"/>
+            <a:ext cx="1445400" cy="581760"/>
           </a:xfrm>
           <a:prstGeom prst="rect">
             <a:avLst/>
@@ -6480,7 +6498,7 @@
         <p:spPr>
           <a:xfrm>
             <a:off x="28189800" y="15344280"/>
-            <a:ext cx="2233440" cy="582120"/>
+            <a:ext cx="2233080" cy="581760"/>
           </a:xfrm>
           <a:prstGeom prst="rect">
             <a:avLst/>
@@ -6542,7 +6560,7 @@
         <p:spPr>
           <a:xfrm>
             <a:off x="30521520" y="15345360"/>
-            <a:ext cx="1446120" cy="581760"/>
+            <a:ext cx="1445760" cy="581400"/>
           </a:xfrm>
           <a:prstGeom prst="rect">
             <a:avLst/>
@@ -6648,7 +6666,7 @@
         <p:spPr>
           <a:xfrm>
             <a:off x="28482840" y="16878960"/>
-            <a:ext cx="1584360" cy="906840"/>
+            <a:ext cx="1584000" cy="906480"/>
           </a:xfrm>
           <a:prstGeom prst="roundRect">
             <a:avLst>
@@ -6756,7 +6774,7 @@
         <p:spPr>
           <a:xfrm>
             <a:off x="24860160" y="11775960"/>
-            <a:ext cx="1688400" cy="994320"/>
+            <a:ext cx="1688040" cy="993960"/>
           </a:xfrm>
           <a:prstGeom prst="rect">
             <a:avLst/>
@@ -6841,7 +6859,7 @@
         <p:spPr>
           <a:xfrm>
             <a:off x="24860160" y="13067280"/>
-            <a:ext cx="1711080" cy="993240"/>
+            <a:ext cx="1710720" cy="992880"/>
           </a:xfrm>
           <a:prstGeom prst="rect">
             <a:avLst/>
@@ -6926,7 +6944,7 @@
         <p:spPr>
           <a:xfrm>
             <a:off x="24860160" y="14253480"/>
-            <a:ext cx="1585440" cy="994320"/>
+            <a:ext cx="1585080" cy="993960"/>
           </a:xfrm>
           <a:prstGeom prst="rect">
             <a:avLst/>
@@ -6983,8 +7001,8 @@
         </p:nvSpPr>
         <p:spPr>
           <a:xfrm>
-            <a:off x="12688560" y="13291920"/>
-            <a:ext cx="2964240" cy="1720800"/>
+            <a:off x="12544560" y="13291920"/>
+            <a:ext cx="2963880" cy="1720440"/>
           </a:xfrm>
           <a:prstGeom prst="roundRect">
             <a:avLst>
@@ -7047,16 +7065,16 @@
         </p:nvSpPr>
         <p:spPr>
           <a:xfrm>
-            <a:off x="9144000" y="13054680"/>
-            <a:ext cx="3177000" cy="4090320"/>
+            <a:off x="9000000" y="13054680"/>
+            <a:ext cx="3176640" cy="4089960"/>
           </a:xfrm>
           <a:custGeom>
             <a:avLst/>
             <a:gdLst>
-              <a:gd name="textAreaLeft" fmla="*/ 154440 w 3177000"/>
-              <a:gd name="textAreaRight" fmla="*/ 3026520 w 3177000"/>
-              <a:gd name="textAreaTop" fmla="*/ 146520 h 4090320"/>
-              <a:gd name="textAreaBottom" fmla="*/ 3948120 h 4090320"/>
+              <a:gd name="textAreaLeft" fmla="*/ 154440 w 3176640"/>
+              <a:gd name="textAreaRight" fmla="*/ 3026520 w 3176640"/>
+              <a:gd name="textAreaTop" fmla="*/ 146520 h 4089960"/>
+              <a:gd name="textAreaBottom" fmla="*/ 3948120 h 4089960"/>
             </a:gdLst>
             <a:ahLst/>
             <a:rect l="textAreaLeft" t="textAreaTop" r="textAreaRight" b="textAreaBottom"/>
@@ -7126,8 +7144,8 @@
         </p:nvSpPr>
         <p:spPr>
           <a:xfrm>
-            <a:off x="9300600" y="13291920"/>
-            <a:ext cx="2866680" cy="1720800"/>
+            <a:off x="9156600" y="13291920"/>
+            <a:ext cx="2866320" cy="1720440"/>
           </a:xfrm>
           <a:prstGeom prst="roundRect">
             <a:avLst>
@@ -7190,8 +7208,8 @@
         </p:nvSpPr>
         <p:spPr>
           <a:xfrm>
-            <a:off x="9300600" y="15159960"/>
-            <a:ext cx="2866680" cy="1721160"/>
+            <a:off x="9156600" y="15159960"/>
+            <a:ext cx="2866320" cy="1720800"/>
           </a:xfrm>
           <a:prstGeom prst="roundRect">
             <a:avLst>
@@ -7254,8 +7272,8 @@
         </p:nvSpPr>
         <p:spPr>
           <a:xfrm>
-            <a:off x="12688560" y="15159960"/>
-            <a:ext cx="2964240" cy="1721160"/>
+            <a:off x="12544560" y="15159960"/>
+            <a:ext cx="2963880" cy="1720800"/>
           </a:xfrm>
           <a:prstGeom prst="roundRect">
             <a:avLst>
@@ -7318,16 +7336,16 @@
         </p:nvSpPr>
         <p:spPr>
           <a:xfrm>
-            <a:off x="12508200" y="13054680"/>
-            <a:ext cx="3265200" cy="4090320"/>
+            <a:off x="12364200" y="13054680"/>
+            <a:ext cx="3264840" cy="4089960"/>
           </a:xfrm>
           <a:custGeom>
             <a:avLst/>
             <a:gdLst>
-              <a:gd name="textAreaLeft" fmla="*/ 158760 w 3265200"/>
-              <a:gd name="textAreaRight" fmla="*/ 3110760 w 3265200"/>
-              <a:gd name="textAreaTop" fmla="*/ 146520 h 4090320"/>
-              <a:gd name="textAreaBottom" fmla="*/ 3948120 h 4090320"/>
+              <a:gd name="textAreaLeft" fmla="*/ 158760 w 3264840"/>
+              <a:gd name="textAreaRight" fmla="*/ 3110760 w 3264840"/>
+              <a:gd name="textAreaTop" fmla="*/ 146520 h 4089960"/>
+              <a:gd name="textAreaBottom" fmla="*/ 3948120 h 4089960"/>
             </a:gdLst>
             <a:ahLst/>
             <a:rect l="textAreaLeft" t="textAreaTop" r="textAreaRight" b="textAreaBottom"/>
@@ -7398,7 +7416,7 @@
         <p:spPr>
           <a:xfrm>
             <a:off x="8724600" y="12082320"/>
-            <a:ext cx="7195320" cy="5748480"/>
+            <a:ext cx="7194960" cy="5748120"/>
           </a:xfrm>
           <a:prstGeom prst="roundRect">
             <a:avLst>
@@ -7449,8 +7467,8 @@
         </p:nvSpPr>
         <p:spPr>
           <a:xfrm>
-            <a:off x="10142280" y="12219480"/>
-            <a:ext cx="1982880" cy="486360"/>
+            <a:off x="9350280" y="12255480"/>
+            <a:ext cx="1982520" cy="486720"/>
           </a:xfrm>
           <a:prstGeom prst="rect">
             <a:avLst/>
@@ -7507,8 +7525,8 @@
         </p:nvSpPr>
         <p:spPr>
           <a:xfrm>
-            <a:off x="12575880" y="12220200"/>
-            <a:ext cx="2275920" cy="486360"/>
+            <a:off x="12575880" y="12256200"/>
+            <a:ext cx="2275560" cy="486720"/>
           </a:xfrm>
           <a:prstGeom prst="rect">
             <a:avLst/>
@@ -7565,8 +7583,8 @@
         </p:nvSpPr>
         <p:spPr>
           <a:xfrm>
-            <a:off x="9977760" y="11186280"/>
-            <a:ext cx="1169640" cy="578160"/>
+            <a:off x="9617760" y="11294280"/>
+            <a:ext cx="1169280" cy="578520"/>
           </a:xfrm>
           <a:prstGeom prst="rect">
             <a:avLst/>
@@ -7624,7 +7642,7 @@
         <p:spPr>
           <a:xfrm>
             <a:off x="9198360" y="26187120"/>
-            <a:ext cx="2740680" cy="1065240"/>
+            <a:ext cx="2740320" cy="1065240"/>
           </a:xfrm>
           <a:prstGeom prst="rect">
             <a:avLst/>
@@ -7682,7 +7700,7 @@
         <p:spPr>
           <a:xfrm>
             <a:off x="11082960" y="27543240"/>
-            <a:ext cx="1754640" cy="1366920"/>
+            <a:ext cx="1754280" cy="1366560"/>
           </a:xfrm>
           <a:prstGeom prst="roundRect">
             <a:avLst>
@@ -7746,7 +7764,7 @@
         <p:spPr>
           <a:xfrm>
             <a:off x="8724600" y="26114400"/>
-            <a:ext cx="4305600" cy="3144600"/>
+            <a:ext cx="4305240" cy="3144240"/>
           </a:xfrm>
           <a:prstGeom prst="roundRect">
             <a:avLst>
@@ -7842,7 +7860,7 @@
         <p:spPr>
           <a:xfrm>
             <a:off x="9748080" y="23604840"/>
-            <a:ext cx="2140200" cy="2128680"/>
+            <a:ext cx="2139840" cy="2128320"/>
           </a:xfrm>
           <a:prstGeom prst="roundRect">
             <a:avLst>
@@ -7951,7 +7969,7 @@
         <p:spPr>
           <a:xfrm>
             <a:off x="8657640" y="30122640"/>
-            <a:ext cx="4470480" cy="2975760"/>
+            <a:ext cx="4470120" cy="2975400"/>
           </a:xfrm>
           <a:prstGeom prst="roundRect">
             <a:avLst>
@@ -8003,7 +8021,7 @@
         <p:spPr>
           <a:xfrm>
             <a:off x="8901360" y="30099600"/>
-            <a:ext cx="2740680" cy="578160"/>
+            <a:ext cx="2740320" cy="578520"/>
           </a:xfrm>
           <a:prstGeom prst="rect">
             <a:avLst/>
@@ -8061,7 +8079,7 @@
         <p:spPr>
           <a:xfrm>
             <a:off x="8760600" y="31047840"/>
-            <a:ext cx="2072880" cy="1683360"/>
+            <a:ext cx="2072520" cy="1683000"/>
           </a:xfrm>
           <a:prstGeom prst="roundRect">
             <a:avLst>
@@ -8125,7 +8143,7 @@
         <p:spPr>
           <a:xfrm>
             <a:off x="11020320" y="31047840"/>
-            <a:ext cx="2050560" cy="1683360"/>
+            <a:ext cx="2050200" cy="1683000"/>
           </a:xfrm>
           <a:prstGeom prst="roundRect">
             <a:avLst>
@@ -8189,7 +8207,7 @@
         <p:spPr>
           <a:xfrm>
             <a:off x="9900000" y="40226760"/>
-            <a:ext cx="5081760" cy="1526040"/>
+            <a:ext cx="5081400" cy="1525680"/>
           </a:xfrm>
           <a:prstGeom prst="roundRect">
             <a:avLst>
@@ -8254,7 +8272,7 @@
         <p:spPr>
           <a:xfrm>
             <a:off x="10333800" y="38053440"/>
-            <a:ext cx="4118400" cy="2128680"/>
+            <a:ext cx="4118040" cy="2128320"/>
           </a:xfrm>
           <a:prstGeom prst="roundRect">
             <a:avLst>
@@ -8318,7 +8336,7 @@
         <p:spPr>
           <a:xfrm>
             <a:off x="24853680" y="7427880"/>
-            <a:ext cx="7595640" cy="1114920"/>
+            <a:ext cx="7595280" cy="1114560"/>
           </a:xfrm>
           <a:prstGeom prst="rect">
             <a:avLst/>
@@ -8380,7 +8398,7 @@
         <p:spPr>
           <a:xfrm>
             <a:off x="16630560" y="7411320"/>
-            <a:ext cx="7881840" cy="1114920"/>
+            <a:ext cx="7881480" cy="1114560"/>
           </a:xfrm>
           <a:prstGeom prst="rect">
             <a:avLst/>
@@ -8442,7 +8460,7 @@
         <p:spPr>
           <a:xfrm>
             <a:off x="425160" y="22783320"/>
-            <a:ext cx="7636320" cy="1114920"/>
+            <a:ext cx="7635960" cy="1114560"/>
           </a:xfrm>
           <a:prstGeom prst="rect">
             <a:avLst/>
@@ -8504,7 +8522,7 @@
         <p:spPr>
           <a:xfrm>
             <a:off x="24853680" y="31812120"/>
-            <a:ext cx="7602840" cy="1114920"/>
+            <a:ext cx="7602480" cy="1114560"/>
           </a:xfrm>
           <a:prstGeom prst="rect">
             <a:avLst/>
@@ -8565,8 +8583,8 @@
         </p:nvSpPr>
         <p:spPr>
           <a:xfrm>
-            <a:off x="18421200" y="17497440"/>
-            <a:ext cx="4438800" cy="2896560"/>
+            <a:off x="18421200" y="17281440"/>
+            <a:ext cx="4438440" cy="2896200"/>
           </a:xfrm>
           <a:prstGeom prst="roundRect">
             <a:avLst>
@@ -8619,8 +8637,8 @@
         </p:nvSpPr>
         <p:spPr>
           <a:xfrm>
-            <a:off x="18853200" y="18462960"/>
-            <a:ext cx="3544920" cy="1519200"/>
+            <a:off x="18853200" y="18246960"/>
+            <a:ext cx="3544560" cy="1518840"/>
           </a:xfrm>
           <a:prstGeom prst="roundRect">
             <a:avLst>
@@ -8683,8 +8701,8 @@
         </p:nvSpPr>
         <p:spPr>
           <a:xfrm>
-            <a:off x="18972360" y="17661600"/>
-            <a:ext cx="3576240" cy="578160"/>
+            <a:off x="18972360" y="17445600"/>
+            <a:ext cx="3575880" cy="578520"/>
           </a:xfrm>
           <a:prstGeom prst="rect">
             <a:avLst/>
@@ -8741,8 +8759,8 @@
         </p:nvSpPr>
         <p:spPr>
           <a:xfrm>
-            <a:off x="18378720" y="16689960"/>
-            <a:ext cx="4555080" cy="578160"/>
+            <a:off x="18378720" y="16473960"/>
+            <a:ext cx="4554720" cy="578520"/>
           </a:xfrm>
           <a:prstGeom prst="rect">
             <a:avLst/>
@@ -8799,8 +8817,8 @@
         </p:nvSpPr>
         <p:spPr>
           <a:xfrm>
-            <a:off x="18732960" y="12322800"/>
-            <a:ext cx="3854880" cy="3223440"/>
+            <a:off x="18732960" y="12106800"/>
+            <a:ext cx="3854520" cy="3223080"/>
           </a:xfrm>
           <a:prstGeom prst="roundRect">
             <a:avLst>
@@ -8851,8 +8869,8 @@
         </p:nvSpPr>
         <p:spPr>
           <a:xfrm>
-            <a:off x="19017000" y="13112280"/>
-            <a:ext cx="3237480" cy="2165760"/>
+            <a:off x="19017000" y="12896280"/>
+            <a:ext cx="3237120" cy="2165400"/>
           </a:xfrm>
           <a:prstGeom prst="roundRect">
             <a:avLst>
@@ -8904,8 +8922,8 @@
         </p:nvSpPr>
         <p:spPr>
           <a:xfrm>
-            <a:off x="19161720" y="13150080"/>
-            <a:ext cx="2568960" cy="578160"/>
+            <a:off x="19161720" y="12934080"/>
+            <a:ext cx="2568600" cy="578520"/>
           </a:xfrm>
           <a:prstGeom prst="rect">
             <a:avLst/>
@@ -8962,8 +8980,8 @@
         </p:nvSpPr>
         <p:spPr>
           <a:xfrm>
-            <a:off x="18945720" y="12286440"/>
-            <a:ext cx="2568960" cy="578160"/>
+            <a:off x="18945720" y="12070440"/>
+            <a:ext cx="2568600" cy="578520"/>
           </a:xfrm>
           <a:prstGeom prst="rect">
             <a:avLst/>
@@ -9020,8 +9038,8 @@
         </p:nvSpPr>
         <p:spPr>
           <a:xfrm>
-            <a:off x="19437120" y="14088600"/>
-            <a:ext cx="2466000" cy="997560"/>
+            <a:off x="19437120" y="13872600"/>
+            <a:ext cx="2465640" cy="997200"/>
           </a:xfrm>
           <a:prstGeom prst="roundRect">
             <a:avLst>
@@ -9084,7 +9102,7 @@
         </p:nvSpPr>
         <p:spPr>
           <a:xfrm>
-            <a:off x="20645640" y="15550920"/>
+            <a:off x="20645640" y="15334920"/>
             <a:ext cx="360" cy="1146240"/>
           </a:xfrm>
           <a:prstGeom prst="line">
@@ -9128,8 +9146,8 @@
         </p:nvSpPr>
         <p:spPr>
           <a:xfrm>
-            <a:off x="18156600" y="16690680"/>
-            <a:ext cx="5029200" cy="3883320"/>
+            <a:off x="18156600" y="16474680"/>
+            <a:ext cx="5028840" cy="3882960"/>
           </a:xfrm>
           <a:prstGeom prst="roundRect">
             <a:avLst>
@@ -9226,7 +9244,7 @@
         <p:spPr>
           <a:xfrm>
             <a:off x="17173440" y="27319680"/>
-            <a:ext cx="2008800" cy="1614960"/>
+            <a:ext cx="2008440" cy="1614600"/>
           </a:xfrm>
           <a:prstGeom prst="roundRect">
             <a:avLst>
@@ -9380,7 +9398,7 @@
         <p:spPr>
           <a:xfrm>
             <a:off x="19060560" y="23757480"/>
-            <a:ext cx="3173760" cy="2586240"/>
+            <a:ext cx="3173400" cy="2585880"/>
           </a:xfrm>
           <a:prstGeom prst="roundRect">
             <a:avLst>
@@ -9444,7 +9462,7 @@
         <p:spPr>
           <a:xfrm>
             <a:off x="19657440" y="27319680"/>
-            <a:ext cx="2008800" cy="1614960"/>
+            <a:ext cx="2008440" cy="1614600"/>
           </a:xfrm>
           <a:prstGeom prst="roundRect">
             <a:avLst>
@@ -9508,7 +9526,7 @@
         <p:spPr>
           <a:xfrm>
             <a:off x="22087440" y="27319680"/>
-            <a:ext cx="2008800" cy="1614960"/>
+            <a:ext cx="2008440" cy="1614600"/>
           </a:xfrm>
           <a:prstGeom prst="roundRect">
             <a:avLst>
@@ -9572,7 +9590,7 @@
         <p:spPr>
           <a:xfrm>
             <a:off x="8868600" y="27543240"/>
-            <a:ext cx="1941120" cy="1366920"/>
+            <a:ext cx="1940760" cy="1366560"/>
           </a:xfrm>
           <a:prstGeom prst="roundRect">
             <a:avLst>
@@ -9636,7 +9654,7 @@
         <p:spPr>
           <a:xfrm>
             <a:off x="1146960" y="4561560"/>
-            <a:ext cx="30857040" cy="2104200"/>
+            <a:ext cx="30856680" cy="2103840"/>
           </a:xfrm>
           <a:prstGeom prst="rect">
             <a:avLst/>
@@ -9967,7 +9985,7 @@
         <p:spPr>
           <a:xfrm>
             <a:off x="25374600" y="28929960"/>
-            <a:ext cx="2350800" cy="2572200"/>
+            <a:ext cx="2350440" cy="2571840"/>
           </a:xfrm>
           <a:prstGeom prst="ellipse">
             <a:avLst/>
@@ -10028,15 +10046,15 @@
         <p:spPr>
           <a:xfrm>
             <a:off x="8562960" y="23368680"/>
-            <a:ext cx="4673160" cy="10005120"/>
+            <a:ext cx="4672800" cy="10004760"/>
           </a:xfrm>
           <a:custGeom>
             <a:avLst/>
             <a:gdLst>
-              <a:gd name="textAreaLeft" fmla="*/ 227880 w 4673160"/>
-              <a:gd name="textAreaRight" fmla="*/ 4446720 w 4673160"/>
-              <a:gd name="textAreaTop" fmla="*/ 365040 h 10005120"/>
-              <a:gd name="textAreaBottom" fmla="*/ 9642600 h 10005120"/>
+              <a:gd name="textAreaLeft" fmla="*/ 227880 w 4672800"/>
+              <a:gd name="textAreaRight" fmla="*/ 4446720 w 4672800"/>
+              <a:gd name="textAreaTop" fmla="*/ 365040 h 10004760"/>
+              <a:gd name="textAreaBottom" fmla="*/ 9642600 h 10004760"/>
             </a:gdLst>
             <a:ahLst/>
             <a:rect l="textAreaLeft" t="textAreaTop" r="textAreaRight" b="textAreaBottom"/>
@@ -10107,7 +10125,7 @@
         <p:spPr>
           <a:xfrm>
             <a:off x="8996400" y="22334400"/>
-            <a:ext cx="4113000" cy="1065240"/>
+            <a:ext cx="4112640" cy="1065240"/>
           </a:xfrm>
           <a:prstGeom prst="rect">
             <a:avLst/>
@@ -10165,7 +10183,7 @@
         <p:spPr>
           <a:xfrm>
             <a:off x="13237920" y="28405080"/>
-            <a:ext cx="249480" cy="0"/>
+            <a:ext cx="249480" cy="360"/>
           </a:xfrm>
           <a:prstGeom prst="line">
             <a:avLst/>
@@ -10209,7 +10227,7 @@
         <p:spPr>
           <a:xfrm>
             <a:off x="13559400" y="25671960"/>
-            <a:ext cx="2518920" cy="2054160"/>
+            <a:ext cx="2518560" cy="2053800"/>
           </a:xfrm>
           <a:prstGeom prst="roundRect">
             <a:avLst>
@@ -10273,7 +10291,7 @@
         <p:spPr>
           <a:xfrm>
             <a:off x="13559400" y="29127960"/>
-            <a:ext cx="2518920" cy="2054160"/>
+            <a:ext cx="2518560" cy="2053800"/>
           </a:xfrm>
           <a:prstGeom prst="roundRect">
             <a:avLst>
@@ -10337,15 +10355,15 @@
         <p:spPr>
           <a:xfrm>
             <a:off x="13487400" y="25372440"/>
-            <a:ext cx="2665080" cy="6092640"/>
+            <a:ext cx="2664720" cy="6092280"/>
           </a:xfrm>
           <a:custGeom>
             <a:avLst/>
             <a:gdLst>
-              <a:gd name="textAreaLeft" fmla="*/ 129600 w 2665080"/>
-              <a:gd name="textAreaRight" fmla="*/ 2536920 w 2665080"/>
-              <a:gd name="textAreaTop" fmla="*/ 210960 h 6092640"/>
-              <a:gd name="textAreaBottom" fmla="*/ 5884560 h 6092640"/>
+              <a:gd name="textAreaLeft" fmla="*/ 129600 w 2664720"/>
+              <a:gd name="textAreaRight" fmla="*/ 2536920 w 2664720"/>
+              <a:gd name="textAreaTop" fmla="*/ 210960 h 6092280"/>
+              <a:gd name="textAreaBottom" fmla="*/ 5884560 h 6092280"/>
             </a:gdLst>
             <a:ahLst/>
             <a:rect l="textAreaLeft" t="textAreaTop" r="textAreaRight" b="textAreaBottom"/>
@@ -10416,7 +10434,7 @@
         <p:spPr>
           <a:xfrm>
             <a:off x="13210200" y="24154920"/>
-            <a:ext cx="3084120" cy="1065960"/>
+            <a:ext cx="3083760" cy="1066320"/>
           </a:xfrm>
           <a:prstGeom prst="rect">
             <a:avLst/>
@@ -10474,7 +10492,7 @@
         <p:spPr>
           <a:xfrm>
             <a:off x="17316360" y="33865920"/>
-            <a:ext cx="6744960" cy="2631600"/>
+            <a:ext cx="6744600" cy="2631240"/>
           </a:xfrm>
           <a:prstGeom prst="roundRect">
             <a:avLst>
@@ -10538,7 +10556,7 @@
         <p:spPr>
           <a:xfrm>
             <a:off x="17517600" y="34770240"/>
-            <a:ext cx="1812600" cy="1311840"/>
+            <a:ext cx="1812240" cy="1311480"/>
           </a:xfrm>
           <a:prstGeom prst="rect">
             <a:avLst/>
@@ -10600,7 +10618,7 @@
         <p:spPr>
           <a:xfrm>
             <a:off x="19821240" y="34770240"/>
-            <a:ext cx="1751760" cy="1311840"/>
+            <a:ext cx="1751400" cy="1311480"/>
           </a:xfrm>
           <a:prstGeom prst="rect">
             <a:avLst/>
@@ -10662,7 +10680,7 @@
         <p:spPr>
           <a:xfrm>
             <a:off x="22017600" y="34770240"/>
-            <a:ext cx="1847160" cy="1311840"/>
+            <a:ext cx="1846800" cy="1311480"/>
           </a:xfrm>
           <a:prstGeom prst="rect">
             <a:avLst/>
@@ -10769,7 +10787,7 @@
         <p:spPr>
           <a:xfrm>
             <a:off x="18453240" y="37728000"/>
-            <a:ext cx="4456440" cy="3960360"/>
+            <a:ext cx="4456080" cy="3960000"/>
           </a:xfrm>
           <a:prstGeom prst="rect">
             <a:avLst/>
@@ -10910,7 +10928,7 @@
         <p:spPr>
           <a:xfrm>
             <a:off x="19031040" y="39709080"/>
-            <a:ext cx="3370320" cy="1564200"/>
+            <a:ext cx="3369960" cy="1563840"/>
           </a:xfrm>
           <a:prstGeom prst="roundRect">
             <a:avLst>
@@ -10974,7 +10992,7 @@
         <p:spPr>
           <a:xfrm>
             <a:off x="18462960" y="37840680"/>
-            <a:ext cx="3256560" cy="517320"/>
+            <a:ext cx="3256200" cy="517680"/>
           </a:xfrm>
           <a:prstGeom prst="rect">
             <a:avLst/>
@@ -11032,7 +11050,7 @@
         <p:spPr>
           <a:xfrm>
             <a:off x="27639360" y="22919760"/>
-            <a:ext cx="2228040" cy="1522080"/>
+            <a:ext cx="2227680" cy="1521720"/>
           </a:xfrm>
           <a:prstGeom prst="roundRect">
             <a:avLst>
@@ -11096,7 +11114,7 @@
         <p:spPr>
           <a:xfrm>
             <a:off x="27768600" y="26157240"/>
-            <a:ext cx="1981800" cy="882360"/>
+            <a:ext cx="1981440" cy="882720"/>
           </a:xfrm>
           <a:prstGeom prst="rect">
             <a:avLst/>
@@ -11244,7 +11262,7 @@
         <p:spPr>
           <a:xfrm>
             <a:off x="1710000" y="34778160"/>
-            <a:ext cx="1339920" cy="1000440"/>
+            <a:ext cx="1339560" cy="1000080"/>
           </a:xfrm>
           <a:prstGeom prst="rect">
             <a:avLst/>
@@ -11306,7 +11324,7 @@
         <p:spPr>
           <a:xfrm>
             <a:off x="2226960" y="37285200"/>
-            <a:ext cx="227520" cy="603360"/>
+            <a:ext cx="227160" cy="603000"/>
           </a:xfrm>
           <a:prstGeom prst="rect">
             <a:avLst/>
@@ -11364,7 +11382,7 @@
         <p:spPr>
           <a:xfrm>
             <a:off x="1587600" y="39073320"/>
-            <a:ext cx="1666080" cy="1203840"/>
+            <a:ext cx="1665720" cy="1203480"/>
           </a:xfrm>
           <a:prstGeom prst="rect">
             <a:avLst/>
@@ -11426,7 +11444,7 @@
         <p:spPr>
           <a:xfrm>
             <a:off x="1951560" y="40905360"/>
-            <a:ext cx="876960" cy="689400"/>
+            <a:ext cx="876600" cy="689040"/>
           </a:xfrm>
           <a:prstGeom prst="rect">
             <a:avLst/>
@@ -11623,7 +11641,7 @@
         <p:spPr>
           <a:xfrm>
             <a:off x="749160" y="36904320"/>
-            <a:ext cx="1460160" cy="1280160"/>
+            <a:ext cx="1459800" cy="1279800"/>
           </a:xfrm>
           <a:prstGeom prst="rect">
             <a:avLst/>
@@ -11685,7 +11703,7 @@
         <p:spPr>
           <a:xfrm>
             <a:off x="2545200" y="36904320"/>
-            <a:ext cx="1460160" cy="1280160"/>
+            <a:ext cx="1459800" cy="1279800"/>
           </a:xfrm>
           <a:prstGeom prst="rect">
             <a:avLst/>
@@ -11837,7 +11855,7 @@
         <p:spPr>
           <a:xfrm>
             <a:off x="5598000" y="34777800"/>
-            <a:ext cx="1339920" cy="1000440"/>
+            <a:ext cx="1339560" cy="1000080"/>
           </a:xfrm>
           <a:prstGeom prst="rect">
             <a:avLst/>
@@ -11899,7 +11917,7 @@
         <p:spPr>
           <a:xfrm>
             <a:off x="5437800" y="39072600"/>
-            <a:ext cx="1667880" cy="1203840"/>
+            <a:ext cx="1667520" cy="1203480"/>
           </a:xfrm>
           <a:prstGeom prst="rect">
             <a:avLst/>
@@ -11961,7 +11979,7 @@
         <p:spPr>
           <a:xfrm>
             <a:off x="5839560" y="40905000"/>
-            <a:ext cx="876960" cy="689400"/>
+            <a:ext cx="876600" cy="689040"/>
           </a:xfrm>
           <a:prstGeom prst="rect">
             <a:avLst/>
@@ -12113,7 +12131,7 @@
         <p:spPr>
           <a:xfrm>
             <a:off x="5054040" y="36321480"/>
-            <a:ext cx="2831760" cy="2194560"/>
+            <a:ext cx="2831400" cy="2194200"/>
           </a:xfrm>
           <a:prstGeom prst="rect">
             <a:avLst/>
@@ -12164,7 +12182,7 @@
         <p:spPr>
           <a:xfrm>
             <a:off x="6298200" y="37047960"/>
-            <a:ext cx="1460160" cy="1280160"/>
+            <a:ext cx="1459800" cy="1279800"/>
           </a:xfrm>
           <a:prstGeom prst="rect">
             <a:avLst/>
@@ -12226,7 +12244,7 @@
         <p:spPr>
           <a:xfrm>
             <a:off x="5143320" y="36335880"/>
-            <a:ext cx="1542240" cy="759960"/>
+            <a:ext cx="1541880" cy="759960"/>
           </a:xfrm>
           <a:prstGeom prst="rect">
             <a:avLst/>
@@ -12323,13 +12341,13 @@
       <p:sp>
         <p:nvSpPr>
           <p:cNvPr id="157" name=""/>
-          <p:cNvSpPr txBox="1"/>
-          <p:nvPr/>
-        </p:nvSpPr>
-        <p:spPr>
-          <a:xfrm>
-            <a:off x="28821600" y="11943000"/>
-            <a:ext cx="1600200" cy="1014840"/>
+          <p:cNvSpPr/>
+          <p:nvPr/>
+        </p:nvSpPr>
+        <p:spPr>
+          <a:xfrm>
+            <a:off x="28821600" y="11835000"/>
+            <a:ext cx="1599840" cy="1015200"/>
           </a:xfrm>
           <a:prstGeom prst="rect">
             <a:avLst/>
@@ -12339,6 +12357,12 @@
             <a:noFill/>
           </a:ln>
         </p:spPr>
+        <p:style>
+          <a:lnRef idx="0"/>
+          <a:fillRef idx="0"/>
+          <a:effectRef idx="0"/>
+          <a:fontRef idx="minor"/>
+        </p:style>
         <p:txBody>
           <a:bodyPr lIns="90000" rIns="90000" tIns="45000" bIns="45000" anchor="t">
             <a:spAutoFit/>
@@ -12381,7 +12405,7 @@
         <p:spPr>
           <a:xfrm>
             <a:off x="29766960" y="28929960"/>
-            <a:ext cx="2350800" cy="2572200"/>
+            <a:ext cx="2350440" cy="2571840"/>
           </a:xfrm>
           <a:prstGeom prst="ellipse">
             <a:avLst/>
@@ -12417,6 +12441,7 @@
               <a:effectLst/>
               <a:uFillTx/>
               <a:latin typeface="Arial"/>
+              <a:ea typeface="DejaVu Sans"/>
             </a:endParaRPr>
           </a:p>
         </p:txBody>
@@ -12430,7 +12455,7 @@
         <p:spPr>
           <a:xfrm>
             <a:off x="30054600" y="29793240"/>
-            <a:ext cx="1927800" cy="881640"/>
+            <a:ext cx="1927440" cy="881640"/>
           </a:xfrm>
           <a:prstGeom prst="rect">
             <a:avLst/>
@@ -12466,43 +12491,7 @@
                 <a:latin typeface="Open Sans"/>
                 <a:ea typeface="Arial"/>
               </a:rPr>
-              <a:t>Implem</a:t>
-            </a:r>
-            <a:r>
-              <a:rPr b="0" lang="en-US" sz="2600" strike="noStrike" u="none">
-                <a:solidFill>
-                  <a:srgbClr val="000000"/>
-                </a:solidFill>
-                <a:effectLst/>
-                <a:uFillTx/>
-                <a:latin typeface="Open Sans"/>
-                <a:ea typeface="Arial"/>
-              </a:rPr>
-              <a:t>ent </a:t>
-            </a:r>
-            <a:r>
-              <a:rPr b="0" lang="en-US" sz="2600" strike="noStrike" u="none">
-                <a:solidFill>
-                  <a:srgbClr val="000000"/>
-                </a:solidFill>
-                <a:effectLst/>
-                <a:uFillTx/>
-                <a:latin typeface="Open Sans"/>
-                <a:ea typeface="Arial"/>
-              </a:rPr>
-              <a:t>Design</a:t>
-            </a:r>
-            <a:r>
-              <a:rPr b="0" lang="en-US" sz="2600" strike="noStrike" u="none">
-                <a:solidFill>
-                  <a:srgbClr val="000000"/>
-                </a:solidFill>
-                <a:effectLst/>
-                <a:uFillTx/>
-                <a:latin typeface="Open Sans"/>
-                <a:ea typeface="Arial"/>
-              </a:rPr>
-              <a:t>s</a:t>
+              <a:t>Implement Designs</a:t>
             </a:r>
             <a:endParaRPr b="0" lang="en-US" sz="2600" strike="noStrike" u="none">
               <a:solidFill>
@@ -12524,7 +12513,7 @@
         <p:spPr>
           <a:xfrm>
             <a:off x="27570960" y="25329960"/>
-            <a:ext cx="2350800" cy="2572200"/>
+            <a:ext cx="2350440" cy="2571840"/>
           </a:xfrm>
           <a:prstGeom prst="ellipse">
             <a:avLst/>
@@ -12560,6 +12549,7 @@
               <a:effectLst/>
               <a:uFillTx/>
               <a:latin typeface="Arial"/>
+              <a:ea typeface="DejaVu Sans"/>
             </a:endParaRPr>
           </a:p>
         </p:txBody>
@@ -12572,8 +12562,8 @@
         </p:nvSpPr>
         <p:spPr>
           <a:xfrm rot="3180000">
-            <a:off x="29451600" y="28003320"/>
-            <a:ext cx="906120" cy="916920"/>
+            <a:off x="29451600" y="28002960"/>
+            <a:ext cx="905760" cy="916560"/>
           </a:xfrm>
           <a:prstGeom prst="rightArrow">
             <a:avLst>
@@ -12600,6 +12590,11 @@
             <a:noAutofit/>
           </a:bodyPr>
           <a:p>
+            <a:pPr>
+              <a:lnSpc>
+                <a:spcPct val="100000"/>
+              </a:lnSpc>
+            </a:pPr>
             <a:endParaRPr b="0" lang="en-US" sz="1800" strike="noStrike" u="none">
               <a:solidFill>
                 <a:srgbClr val="000000"/>
@@ -12620,8 +12615,8 @@
         </p:nvSpPr>
         <p:spPr>
           <a:xfrm rot="18480000">
-            <a:off x="27227880" y="27931320"/>
-            <a:ext cx="906120" cy="916920"/>
+            <a:off x="27227520" y="27931320"/>
+            <a:ext cx="905760" cy="916560"/>
           </a:xfrm>
           <a:prstGeom prst="rightArrow">
             <a:avLst>
@@ -12648,6 +12643,11 @@
             <a:noAutofit/>
           </a:bodyPr>
           <a:p>
+            <a:pPr>
+              <a:lnSpc>
+                <a:spcPct val="100000"/>
+              </a:lnSpc>
+            </a:pPr>
             <a:endParaRPr b="0" lang="en-US" sz="1800" strike="noStrike" u="none">
               <a:solidFill>
                 <a:srgbClr val="000000"/>
@@ -12675,7 +12675,7 @@
         <p:spPr>
           <a:xfrm>
             <a:off x="228600" y="228600"/>
-            <a:ext cx="3753360" cy="985680"/>
+            <a:ext cx="3753000" cy="985320"/>
           </a:xfrm>
           <a:prstGeom prst="rect">
             <a:avLst/>
@@ -12701,7 +12701,7 @@
         <p:spPr>
           <a:xfrm>
             <a:off x="27937800" y="42939360"/>
-            <a:ext cx="4761720" cy="723240"/>
+            <a:ext cx="4761360" cy="722880"/>
           </a:xfrm>
           <a:prstGeom prst="rect">
             <a:avLst/>
@@ -12720,13 +12720,13 @@
         </p:nvPicPr>
         <p:blipFill>
           <a:blip r:embed="rId4"/>
-          <a:srcRect l="0" t="4604" r="0" b="47855"/>
+          <a:srcRect l="0" t="4604" r="0" b="47848"/>
           <a:stretch/>
         </p:blipFill>
         <p:spPr>
           <a:xfrm>
             <a:off x="30403800" y="0"/>
-            <a:ext cx="2437200" cy="1670400"/>
+            <a:ext cx="2436840" cy="1670040"/>
           </a:xfrm>
           <a:prstGeom prst="rect">
             <a:avLst/>
@@ -12750,7 +12750,7 @@
         <p:spPr>
           <a:xfrm>
             <a:off x="360" y="42751080"/>
-            <a:ext cx="6653520" cy="1140120"/>
+            <a:ext cx="6653160" cy="1139760"/>
           </a:xfrm>
           <a:prstGeom prst="rect">
             <a:avLst/>
